--- a/Chatbot/Presentation Data/Final Presentation.pptx
+++ b/Chatbot/Presentation Data/Final Presentation.pptx
@@ -8993,7 +8993,7 @@
           <a:p>
             <a:fld id="{798DBB47-160A-45F9-AEC8-4D7BF30050C2}" type="datetimeFigureOut">
               <a:rPr lang="en-IN" smtClean="0"/>
-              <a:t>10-06-2021</a:t>
+              <a:t>14-06-2021</a:t>
             </a:fld>
             <a:endParaRPr lang="en-IN"/>
           </a:p>
@@ -9206,7 +9206,7 @@
           <a:p>
             <a:fld id="{798DBB47-160A-45F9-AEC8-4D7BF30050C2}" type="datetimeFigureOut">
               <a:rPr lang="en-IN" smtClean="0"/>
-              <a:t>10-06-2021</a:t>
+              <a:t>14-06-2021</a:t>
             </a:fld>
             <a:endParaRPr lang="en-IN"/>
           </a:p>
@@ -11533,7 +11533,7 @@
           <a:p>
             <a:fld id="{798DBB47-160A-45F9-AEC8-4D7BF30050C2}" type="datetimeFigureOut">
               <a:rPr lang="en-IN" smtClean="0"/>
-              <a:t>10-06-2021</a:t>
+              <a:t>14-06-2021</a:t>
             </a:fld>
             <a:endParaRPr lang="en-IN"/>
           </a:p>
@@ -11752,7 +11752,7 @@
           <a:p>
             <a:fld id="{798DBB47-160A-45F9-AEC8-4D7BF30050C2}" type="datetimeFigureOut">
               <a:rPr lang="en-IN" smtClean="0"/>
-              <a:t>10-06-2021</a:t>
+              <a:t>14-06-2021</a:t>
             </a:fld>
             <a:endParaRPr lang="en-IN"/>
           </a:p>
@@ -20575,7 +20575,7 @@
           <a:p>
             <a:fld id="{798DBB47-160A-45F9-AEC8-4D7BF30050C2}" type="datetimeFigureOut">
               <a:rPr lang="en-IN" smtClean="0"/>
-              <a:t>10-06-2021</a:t>
+              <a:t>14-06-2021</a:t>
             </a:fld>
             <a:endParaRPr lang="en-IN"/>
           </a:p>
@@ -21003,7 +21003,7 @@
           <a:p>
             <a:fld id="{798DBB47-160A-45F9-AEC8-4D7BF30050C2}" type="datetimeFigureOut">
               <a:rPr lang="en-IN" smtClean="0"/>
-              <a:t>10-06-2021</a:t>
+              <a:t>14-06-2021</a:t>
             </a:fld>
             <a:endParaRPr lang="en-IN"/>
           </a:p>
@@ -21384,7 +21384,7 @@
           <a:p>
             <a:fld id="{798DBB47-160A-45F9-AEC8-4D7BF30050C2}" type="datetimeFigureOut">
               <a:rPr lang="en-IN" smtClean="0"/>
-              <a:t>10-06-2021</a:t>
+              <a:t>14-06-2021</a:t>
             </a:fld>
             <a:endParaRPr lang="en-IN"/>
           </a:p>
@@ -21502,7 +21502,7 @@
           <a:p>
             <a:fld id="{798DBB47-160A-45F9-AEC8-4D7BF30050C2}" type="datetimeFigureOut">
               <a:rPr lang="en-IN" smtClean="0"/>
-              <a:t>10-06-2021</a:t>
+              <a:t>14-06-2021</a:t>
             </a:fld>
             <a:endParaRPr lang="en-IN"/>
           </a:p>
@@ -21605,7 +21605,7 @@
           <a:p>
             <a:fld id="{798DBB47-160A-45F9-AEC8-4D7BF30050C2}" type="datetimeFigureOut">
               <a:rPr lang="en-IN" smtClean="0"/>
-              <a:t>10-06-2021</a:t>
+              <a:t>14-06-2021</a:t>
             </a:fld>
             <a:endParaRPr lang="en-IN"/>
           </a:p>
@@ -26194,7 +26194,7 @@
           <a:p>
             <a:fld id="{798DBB47-160A-45F9-AEC8-4D7BF30050C2}" type="datetimeFigureOut">
               <a:rPr lang="en-IN" smtClean="0"/>
-              <a:t>10-06-2021</a:t>
+              <a:t>14-06-2021</a:t>
             </a:fld>
             <a:endParaRPr lang="en-IN"/>
           </a:p>
@@ -28639,7 +28639,7 @@
           <a:p>
             <a:fld id="{798DBB47-160A-45F9-AEC8-4D7BF30050C2}" type="datetimeFigureOut">
               <a:rPr lang="en-IN" smtClean="0"/>
-              <a:t>10-06-2021</a:t>
+              <a:t>14-06-2021</a:t>
             </a:fld>
             <a:endParaRPr lang="en-IN"/>
           </a:p>
@@ -31016,7 +31016,7 @@
           <a:p>
             <a:fld id="{798DBB47-160A-45F9-AEC8-4D7BF30050C2}" type="datetimeFigureOut">
               <a:rPr lang="en-IN" smtClean="0"/>
-              <a:t>10-06-2021</a:t>
+              <a:t>14-06-2021</a:t>
             </a:fld>
             <a:endParaRPr lang="en-IN"/>
           </a:p>
@@ -31713,7 +31713,7 @@
         </p:nvSpPr>
         <p:spPr>
           <a:xfrm>
-            <a:off x="257452" y="88776"/>
+            <a:off x="1349405" y="72550"/>
             <a:ext cx="9312676" cy="646331"/>
           </a:xfrm>
           <a:prstGeom prst="rect">
@@ -31748,7 +31748,7 @@
         </p:nvSpPr>
         <p:spPr>
           <a:xfrm>
-            <a:off x="257452" y="655208"/>
+            <a:off x="257452" y="735914"/>
             <a:ext cx="11496582" cy="6186309"/>
           </a:xfrm>
           <a:prstGeom prst="rect">
@@ -31858,6 +31858,42 @@
           </a:p>
         </p:txBody>
       </p:sp>
+      <p:pic>
+        <p:nvPicPr>
+          <p:cNvPr id="5" name="Picture 4">
+            <a:extLst>
+              <a:ext uri="{FF2B5EF4-FFF2-40B4-BE49-F238E27FC236}">
+                <a16:creationId xmlns:a16="http://schemas.microsoft.com/office/drawing/2014/main" id="{C8676E17-3ACD-493C-BD36-636DFD48A741}"/>
+              </a:ext>
+            </a:extLst>
+          </p:cNvPr>
+          <p:cNvPicPr>
+            <a:picLocks noChangeAspect="1"/>
+          </p:cNvPicPr>
+          <p:nvPr/>
+        </p:nvPicPr>
+        <p:blipFill>
+          <a:blip r:embed="rId2">
+            <a:extLst>
+              <a:ext uri="{28A0092B-C50C-407E-A947-70E740481C1C}">
+                <a14:useLocalDpi xmlns:a14="http://schemas.microsoft.com/office/drawing/2010/main" val="0"/>
+              </a:ext>
+            </a:extLst>
+          </a:blip>
+          <a:stretch>
+            <a:fillRect/>
+          </a:stretch>
+        </p:blipFill>
+        <p:spPr>
+          <a:xfrm>
+            <a:off x="599890" y="105171"/>
+            <a:ext cx="550037" cy="550037"/>
+          </a:xfrm>
+          <a:prstGeom prst="rect">
+            <a:avLst/>
+          </a:prstGeom>
+        </p:spPr>
+      </p:pic>
     </p:spTree>
     <p:extLst>
       <p:ext uri="{BB962C8B-B14F-4D97-AF65-F5344CB8AC3E}">
@@ -31902,8 +31938,8 @@
         </p:nvSpPr>
         <p:spPr>
           <a:xfrm>
-            <a:off x="280755" y="4266871"/>
-            <a:ext cx="11268075" cy="2246769"/>
+            <a:off x="395286" y="4085896"/>
+            <a:ext cx="11268075" cy="2554545"/>
           </a:xfrm>
           <a:prstGeom prst="rect">
             <a:avLst/>
@@ -31916,9 +31952,19 @@
           </a:bodyPr>
           <a:lstStyle/>
           <a:p>
+            <a:pPr marL="342900" indent="-342900">
+              <a:buFont typeface="Arial" panose="020B0604020202020204" pitchFamily="34" charset="0"/>
+              <a:buChar char="•"/>
+            </a:pPr>
+            <a:r>
+              <a:rPr lang="en-IN" sz="2000" b="1" dirty="0"/>
+              <a:t>For Artificial Neural Networks, </a:t>
+            </a:r>
+          </a:p>
+          <a:p>
             <a:r>
               <a:rPr lang="en-IN" sz="2000" dirty="0"/>
-              <a:t>For Artificial Neural Networks, we are using Fully connected input layer with 1 hidden layer to classify the intents. The number of epochs for training the models and the number of neurons present in the hidden layer can be changed as per the requirements. For training of neural network we require inputs in the form of matrices. The dataset in this case is also analysed to create a bag of words model. Since we have made the chatbot for relatively small data, it is unfeasible to vectorize it with other much complex algorithms like TF-IDF, CBOW or Skip-gram. The bag of words model analyses the data and counts the total number of unique words that occur in the dataset. </a:t>
+              <a:t>We are using Fully connected input layer with 1 hidden layer to classify the intents. The number of epochs for training the models and the number of neurons present in the hidden layer can be changed as per the requirements. For training of neural network we require inputs in the form of matrices. The dataset in this case is also analysed to create a bag of words model. Since we have made the chatbot for relatively small data, it is unfeasible to vectorize it with other much complex algorithms like TF-IDF, CBOW or Skip-gram. The bag of words model analyses the data and counts the total number of unique words that occur in the dataset. </a:t>
             </a:r>
           </a:p>
         </p:txBody>
@@ -32054,8 +32100,8 @@
         </p:nvSpPr>
         <p:spPr>
           <a:xfrm>
-            <a:off x="485775" y="85725"/>
-            <a:ext cx="8629650" cy="400110"/>
+            <a:off x="342900" y="200025"/>
+            <a:ext cx="8629650" cy="523220"/>
           </a:xfrm>
           <a:prstGeom prst="rect">
             <a:avLst/>
@@ -32069,10 +32115,10 @@
           <a:lstStyle/>
           <a:p>
             <a:r>
-              <a:rPr lang="en-US" sz="2000" b="1" dirty="0"/>
+              <a:rPr lang="en-US" sz="2800" b="1" dirty="0"/>
               <a:t>Neural Network Architecture used in the Project:</a:t>
             </a:r>
-            <a:endParaRPr lang="en-IN" sz="2000" b="1" dirty="0"/>
+            <a:endParaRPr lang="en-IN" sz="2800" b="1" dirty="0"/>
           </a:p>
         </p:txBody>
       </p:sp>
@@ -32104,8 +32150,8 @@
         </p:blipFill>
         <p:spPr>
           <a:xfrm>
-            <a:off x="3419475" y="485835"/>
-            <a:ext cx="5571348" cy="6211120"/>
+            <a:off x="3860473" y="865895"/>
+            <a:ext cx="5016049" cy="5592055"/>
           </a:xfrm>
           <a:prstGeom prst="rect">
             <a:avLst/>
@@ -32522,10 +32568,10 @@
       </p:sp>
       <p:pic>
         <p:nvPicPr>
-          <p:cNvPr id="7" name="Picture 6" descr="Graphical user interface, text, application&#10;&#10;Description automatically generated">
+          <p:cNvPr id="3" name="Picture 2">
             <a:extLst>
               <a:ext uri="{FF2B5EF4-FFF2-40B4-BE49-F238E27FC236}">
-                <a16:creationId xmlns:a16="http://schemas.microsoft.com/office/drawing/2014/main" id="{5104D247-B885-45E9-B2E1-36313523A09E}"/>
+                <a16:creationId xmlns:a16="http://schemas.microsoft.com/office/drawing/2014/main" id="{A6C11182-0034-41E0-AD1B-7E1F4704C5E3}"/>
               </a:ext>
             </a:extLst>
           </p:cNvPr>
@@ -32535,20 +32581,43 @@
           <p:nvPr/>
         </p:nvPicPr>
         <p:blipFill rotWithShape="1">
-          <a:blip r:embed="rId2">
-            <a:extLst>
-              <a:ext uri="{28A0092B-C50C-407E-A947-70E740481C1C}">
-                <a14:useLocalDpi xmlns:a14="http://schemas.microsoft.com/office/drawing/2010/main" val="0"/>
-              </a:ext>
-            </a:extLst>
-          </a:blip>
-          <a:srcRect l="10000" t="19583" r="10312" b="9583"/>
+          <a:blip r:embed="rId2"/>
+          <a:srcRect l="25006" t="26990" r="25006" b="8932"/>
           <a:stretch/>
         </p:blipFill>
         <p:spPr>
           <a:xfrm>
-            <a:off x="619125" y="996998"/>
-            <a:ext cx="10953750" cy="5476876"/>
+            <a:off x="258100" y="1585265"/>
+            <a:ext cx="5581280" cy="3838062"/>
+          </a:xfrm>
+          <a:prstGeom prst="rect">
+            <a:avLst/>
+          </a:prstGeom>
+        </p:spPr>
+      </p:pic>
+      <p:pic>
+        <p:nvPicPr>
+          <p:cNvPr id="6" name="Picture 5">
+            <a:extLst>
+              <a:ext uri="{FF2B5EF4-FFF2-40B4-BE49-F238E27FC236}">
+                <a16:creationId xmlns:a16="http://schemas.microsoft.com/office/drawing/2014/main" id="{44BEEAF0-EAB7-4AB5-934A-875F04A8578B}"/>
+              </a:ext>
+            </a:extLst>
+          </p:cNvPr>
+          <p:cNvPicPr>
+            <a:picLocks noChangeAspect="1"/>
+          </p:cNvPicPr>
+          <p:nvPr/>
+        </p:nvPicPr>
+        <p:blipFill rotWithShape="1">
+          <a:blip r:embed="rId3"/>
+          <a:srcRect l="25006" t="26262" r="25006" b="9223"/>
+          <a:stretch/>
+        </p:blipFill>
+        <p:spPr>
+          <a:xfrm>
+            <a:off x="6352622" y="1585265"/>
+            <a:ext cx="5523204" cy="3824022"/>
           </a:xfrm>
           <a:prstGeom prst="rect">
             <a:avLst/>
@@ -32751,10 +32820,9 @@
           </a:bodyPr>
           <a:lstStyle/>
           <a:p>
-            <a:pPr algn="ctr"/>
             <a:r>
               <a:rPr lang="en-IN" sz="4800" b="1" dirty="0"/>
-              <a:t>Conclusion and Future development</a:t>
+              <a:t>		Conclusion and Future development</a:t>
             </a:r>
           </a:p>
           <a:p>
@@ -32777,15 +32845,7 @@
             </a:pPr>
             <a:r>
               <a:rPr lang="en-IN" sz="2800" dirty="0"/>
-              <a:t>This Chatbot can further be used to data collection for a business until the business or organization has collected </a:t>
-            </a:r>
-            <a:r>
-              <a:rPr lang="en-IN" sz="2800"/>
-              <a:t>enough for </a:t>
-            </a:r>
-            <a:r>
-              <a:rPr lang="en-IN" sz="2800" dirty="0"/>
-              <a:t>implementing a AI based chatbot.</a:t>
+              <a:t>This Chatbot can further be used to data collection for a business until the business or organization has collected enough for implementing a AI based chatbot.</a:t>
             </a:r>
           </a:p>
           <a:p>
@@ -32810,6 +32870,42 @@
           </a:p>
         </p:txBody>
       </p:sp>
+      <p:pic>
+        <p:nvPicPr>
+          <p:cNvPr id="4" name="Picture 3">
+            <a:extLst>
+              <a:ext uri="{FF2B5EF4-FFF2-40B4-BE49-F238E27FC236}">
+                <a16:creationId xmlns:a16="http://schemas.microsoft.com/office/drawing/2014/main" id="{75747DA7-09B3-477B-B437-BEF6162E9CB4}"/>
+              </a:ext>
+            </a:extLst>
+          </p:cNvPr>
+          <p:cNvPicPr>
+            <a:picLocks noChangeAspect="1"/>
+          </p:cNvPicPr>
+          <p:nvPr/>
+        </p:nvPicPr>
+        <p:blipFill>
+          <a:blip r:embed="rId2">
+            <a:extLst>
+              <a:ext uri="{28A0092B-C50C-407E-A947-70E740481C1C}">
+                <a14:useLocalDpi xmlns:a14="http://schemas.microsoft.com/office/drawing/2010/main" val="0"/>
+              </a:ext>
+            </a:extLst>
+          </a:blip>
+          <a:stretch>
+            <a:fillRect/>
+          </a:stretch>
+        </p:blipFill>
+        <p:spPr>
+          <a:xfrm>
+            <a:off x="207390" y="92529"/>
+            <a:ext cx="1010250" cy="1012312"/>
+          </a:xfrm>
+          <a:prstGeom prst="rect">
+            <a:avLst/>
+          </a:prstGeom>
+        </p:spPr>
+      </p:pic>
     </p:spTree>
     <p:extLst>
       <p:ext uri="{BB962C8B-B14F-4D97-AF65-F5344CB8AC3E}">
@@ -33155,7 +33251,7 @@
         <p:spPr>
           <a:xfrm>
             <a:off x="506027" y="275208"/>
-            <a:ext cx="11301274" cy="4708981"/>
+            <a:ext cx="11301274" cy="1261884"/>
           </a:xfrm>
           <a:prstGeom prst="rect">
             <a:avLst/>
@@ -33177,16 +33273,320 @@
           <a:p>
             <a:endParaRPr lang="en-IN" sz="2800" b="1" dirty="0"/>
           </a:p>
+        </p:txBody>
+      </p:sp>
+      <p:pic>
+        <p:nvPicPr>
+          <p:cNvPr id="4" name="Picture 3">
+            <a:extLst>
+              <a:ext uri="{FF2B5EF4-FFF2-40B4-BE49-F238E27FC236}">
+                <a16:creationId xmlns:a16="http://schemas.microsoft.com/office/drawing/2014/main" id="{DBB7F97B-32F9-40F1-A251-C3CABE83D2D9}"/>
+              </a:ext>
+            </a:extLst>
+          </p:cNvPr>
+          <p:cNvPicPr>
+            <a:picLocks noChangeAspect="1"/>
+          </p:cNvPicPr>
+          <p:nvPr/>
+        </p:nvPicPr>
+        <p:blipFill>
+          <a:blip r:embed="rId2">
+            <a:extLst>
+              <a:ext uri="{28A0092B-C50C-407E-A947-70E740481C1C}">
+                <a14:useLocalDpi xmlns:a14="http://schemas.microsoft.com/office/drawing/2010/main" val="0"/>
+              </a:ext>
+            </a:extLst>
+          </a:blip>
+          <a:stretch>
+            <a:fillRect/>
+          </a:stretch>
+        </p:blipFill>
+        <p:spPr>
+          <a:xfrm>
+            <a:off x="1334703" y="1415217"/>
+            <a:ext cx="1665672" cy="1661807"/>
+          </a:xfrm>
+          <a:prstGeom prst="rect">
+            <a:avLst/>
+          </a:prstGeom>
+        </p:spPr>
+      </p:pic>
+      <p:pic>
+        <p:nvPicPr>
+          <p:cNvPr id="6" name="Picture 5">
+            <a:extLst>
+              <a:ext uri="{FF2B5EF4-FFF2-40B4-BE49-F238E27FC236}">
+                <a16:creationId xmlns:a16="http://schemas.microsoft.com/office/drawing/2014/main" id="{7A3BB32B-EA6E-487C-8C29-3D00A45008B9}"/>
+              </a:ext>
+            </a:extLst>
+          </p:cNvPr>
+          <p:cNvPicPr>
+            <a:picLocks noChangeAspect="1"/>
+          </p:cNvPicPr>
+          <p:nvPr/>
+        </p:nvPicPr>
+        <p:blipFill>
+          <a:blip r:embed="rId3">
+            <a:extLst>
+              <a:ext uri="{28A0092B-C50C-407E-A947-70E740481C1C}">
+                <a14:useLocalDpi xmlns:a14="http://schemas.microsoft.com/office/drawing/2010/main" val="0"/>
+              </a:ext>
+            </a:extLst>
+          </a:blip>
+          <a:stretch>
+            <a:fillRect/>
+          </a:stretch>
+        </p:blipFill>
+        <p:spPr>
+          <a:xfrm>
+            <a:off x="5263163" y="1415216"/>
+            <a:ext cx="1665673" cy="1661808"/>
+          </a:xfrm>
+          <a:prstGeom prst="rect">
+            <a:avLst/>
+          </a:prstGeom>
+        </p:spPr>
+      </p:pic>
+      <p:pic>
+        <p:nvPicPr>
+          <p:cNvPr id="8" name="Picture 7">
+            <a:extLst>
+              <a:ext uri="{FF2B5EF4-FFF2-40B4-BE49-F238E27FC236}">
+                <a16:creationId xmlns:a16="http://schemas.microsoft.com/office/drawing/2014/main" id="{009D81CF-4226-4AFB-B284-2ADE35A00884}"/>
+              </a:ext>
+            </a:extLst>
+          </p:cNvPr>
+          <p:cNvPicPr>
+            <a:picLocks noChangeAspect="1"/>
+          </p:cNvPicPr>
+          <p:nvPr/>
+        </p:nvPicPr>
+        <p:blipFill>
+          <a:blip r:embed="rId4">
+            <a:extLst>
+              <a:ext uri="{28A0092B-C50C-407E-A947-70E740481C1C}">
+                <a14:useLocalDpi xmlns:a14="http://schemas.microsoft.com/office/drawing/2010/main" val="0"/>
+              </a:ext>
+            </a:extLst>
+          </a:blip>
+          <a:stretch>
+            <a:fillRect/>
+          </a:stretch>
+        </p:blipFill>
+        <p:spPr>
+          <a:xfrm>
+            <a:off x="9331667" y="1415216"/>
+            <a:ext cx="1665672" cy="1661808"/>
+          </a:xfrm>
+          <a:prstGeom prst="rect">
+            <a:avLst/>
+          </a:prstGeom>
+        </p:spPr>
+      </p:pic>
+      <p:sp>
+        <p:nvSpPr>
+          <p:cNvPr id="9" name="TextBox 8">
+            <a:extLst>
+              <a:ext uri="{FF2B5EF4-FFF2-40B4-BE49-F238E27FC236}">
+                <a16:creationId xmlns:a16="http://schemas.microsoft.com/office/drawing/2014/main" id="{1FD7D287-9AF4-4489-B6CD-093E23A2FE0F}"/>
+              </a:ext>
+            </a:extLst>
+          </p:cNvPr>
+          <p:cNvSpPr txBox="1"/>
+          <p:nvPr/>
+        </p:nvSpPr>
+        <p:spPr>
+          <a:xfrm>
+            <a:off x="400050" y="3228975"/>
+            <a:ext cx="3638550" cy="2800767"/>
+          </a:xfrm>
+          <a:prstGeom prst="rect">
+            <a:avLst/>
+          </a:prstGeom>
+          <a:noFill/>
+        </p:spPr>
+        <p:txBody>
+          <a:bodyPr wrap="square" rtlCol="0">
+            <a:spAutoFit/>
+          </a:bodyPr>
+          <a:lstStyle/>
           <a:p>
+            <a:pPr algn="ctr"/>
             <a:r>
-              <a:rPr lang="en-IN" sz="3200" b="1" dirty="0"/>
-              <a:t>AI based approach: </a:t>
+              <a:rPr lang="en-IN" b="1" dirty="0"/>
+              <a:t>AI Based Approach (Not Used)</a:t>
             </a:r>
+          </a:p>
+          <a:p>
+            <a:endParaRPr lang="en-IN" b="1" dirty="0"/>
+          </a:p>
+          <a:p>
+            <a:pPr marL="285750" indent="-285750">
+              <a:buFont typeface="Arial" panose="020B0604020202020204" pitchFamily="34" charset="0"/>
+              <a:buChar char="•"/>
+            </a:pPr>
             <a:r>
-              <a:rPr lang="en-IN" sz="3200" dirty="0"/>
-              <a:t>This approach uses advanced techniques like Neural Networks and Machine Learning to produce a response to a query in a Chatbot. This is a more advanced way of creating chatbots, as this approach uses a large amount of data to train a model, therefore so are not ideal for our Target Audience. This approach can handle variety of different inputs without the need of the developer to program each and every response.</a:t>
+              <a:rPr lang="en-IN" sz="2000" dirty="0"/>
+              <a:t>Uses complex Deep Learning and Machine Learning Algorithms to Generate their own Responses.</a:t>
             </a:r>
-            <a:endParaRPr lang="en-IN" sz="2800" dirty="0"/>
+          </a:p>
+          <a:p>
+            <a:pPr marL="285750" indent="-285750">
+              <a:buFont typeface="Arial" panose="020B0604020202020204" pitchFamily="34" charset="0"/>
+              <a:buChar char="•"/>
+            </a:pPr>
+            <a:r>
+              <a:rPr lang="en-IN" sz="2000" dirty="0"/>
+              <a:t>Used in General Purpose Conversations.</a:t>
+            </a:r>
+          </a:p>
+          <a:p>
+            <a:pPr marL="285750" indent="-285750">
+              <a:buFont typeface="Arial" panose="020B0604020202020204" pitchFamily="34" charset="0"/>
+              <a:buChar char="•"/>
+            </a:pPr>
+            <a:r>
+              <a:rPr lang="en-IN" sz="2000" dirty="0"/>
+              <a:t>Example: Alexa, Siri, Cortana</a:t>
+            </a:r>
+          </a:p>
+        </p:txBody>
+      </p:sp>
+      <p:sp>
+        <p:nvSpPr>
+          <p:cNvPr id="10" name="TextBox 9">
+            <a:extLst>
+              <a:ext uri="{FF2B5EF4-FFF2-40B4-BE49-F238E27FC236}">
+                <a16:creationId xmlns:a16="http://schemas.microsoft.com/office/drawing/2014/main" id="{71234EE4-EE28-4C9C-A106-2A2867468DE9}"/>
+              </a:ext>
+            </a:extLst>
+          </p:cNvPr>
+          <p:cNvSpPr txBox="1"/>
+          <p:nvPr/>
+        </p:nvSpPr>
+        <p:spPr>
+          <a:xfrm>
+            <a:off x="4337389" y="3216569"/>
+            <a:ext cx="3638550" cy="2800767"/>
+          </a:xfrm>
+          <a:prstGeom prst="rect">
+            <a:avLst/>
+          </a:prstGeom>
+          <a:noFill/>
+        </p:spPr>
+        <p:txBody>
+          <a:bodyPr wrap="square" rtlCol="0">
+            <a:spAutoFit/>
+          </a:bodyPr>
+          <a:lstStyle/>
+          <a:p>
+            <a:pPr algn="ctr"/>
+            <a:r>
+              <a:rPr lang="en-IN" b="1" dirty="0"/>
+              <a:t>Rule Based Approach (Used)</a:t>
+            </a:r>
+          </a:p>
+          <a:p>
+            <a:endParaRPr lang="en-IN" b="1" dirty="0"/>
+          </a:p>
+          <a:p>
+            <a:pPr marL="285750" indent="-285750">
+              <a:buFont typeface="Arial" panose="020B0604020202020204" pitchFamily="34" charset="0"/>
+              <a:buChar char="•"/>
+            </a:pPr>
+            <a:r>
+              <a:rPr lang="en-IN" sz="2000" dirty="0"/>
+              <a:t>Uses simple programming rules to select specific preloaded responses.</a:t>
+            </a:r>
+          </a:p>
+          <a:p>
+            <a:pPr marL="285750" indent="-285750">
+              <a:buFont typeface="Arial" panose="020B0604020202020204" pitchFamily="34" charset="0"/>
+              <a:buChar char="•"/>
+            </a:pPr>
+            <a:r>
+              <a:rPr lang="en-IN" sz="2000" dirty="0"/>
+              <a:t>Used in Business Specific environments with strict conversation flow. </a:t>
+            </a:r>
+          </a:p>
+          <a:p>
+            <a:pPr marL="285750" indent="-285750">
+              <a:buFont typeface="Arial" panose="020B0604020202020204" pitchFamily="34" charset="0"/>
+              <a:buChar char="•"/>
+            </a:pPr>
+            <a:r>
+              <a:rPr lang="en-IN" sz="2000" dirty="0"/>
+              <a:t>Example: ELIZA</a:t>
+            </a:r>
+          </a:p>
+        </p:txBody>
+      </p:sp>
+      <p:sp>
+        <p:nvSpPr>
+          <p:cNvPr id="11" name="TextBox 10">
+            <a:extLst>
+              <a:ext uri="{FF2B5EF4-FFF2-40B4-BE49-F238E27FC236}">
+                <a16:creationId xmlns:a16="http://schemas.microsoft.com/office/drawing/2014/main" id="{753BFA81-1402-4BDF-B7A5-34DC5AD0CE5C}"/>
+              </a:ext>
+            </a:extLst>
+          </p:cNvPr>
+          <p:cNvSpPr txBox="1"/>
+          <p:nvPr/>
+        </p:nvSpPr>
+        <p:spPr>
+          <a:xfrm>
+            <a:off x="8274728" y="3228974"/>
+            <a:ext cx="3638550" cy="2492990"/>
+          </a:xfrm>
+          <a:prstGeom prst="rect">
+            <a:avLst/>
+          </a:prstGeom>
+          <a:noFill/>
+        </p:spPr>
+        <p:txBody>
+          <a:bodyPr wrap="square" rtlCol="0">
+            <a:spAutoFit/>
+          </a:bodyPr>
+          <a:lstStyle/>
+          <a:p>
+            <a:pPr algn="ctr"/>
+            <a:r>
+              <a:rPr lang="en-IN" b="1" dirty="0"/>
+              <a:t> Hybrid Approach (Used)</a:t>
+            </a:r>
+          </a:p>
+          <a:p>
+            <a:endParaRPr lang="en-IN" b="1" dirty="0"/>
+          </a:p>
+          <a:p>
+            <a:pPr marL="285750" indent="-285750">
+              <a:buFont typeface="Arial" panose="020B0604020202020204" pitchFamily="34" charset="0"/>
+              <a:buChar char="•"/>
+            </a:pPr>
+            <a:r>
+              <a:rPr lang="en-IN" sz="2000" dirty="0"/>
+              <a:t>Uses best of both approaches with a some downsides of both are well</a:t>
+            </a:r>
+          </a:p>
+          <a:p>
+            <a:pPr marL="285750" indent="-285750">
+              <a:buFont typeface="Arial" panose="020B0604020202020204" pitchFamily="34" charset="0"/>
+              <a:buChar char="•"/>
+            </a:pPr>
+            <a:r>
+              <a:rPr lang="en-IN" sz="2000" dirty="0"/>
+              <a:t>Used in special cases. </a:t>
+            </a:r>
+          </a:p>
+          <a:p>
+            <a:pPr marL="285750" indent="-285750">
+              <a:buFont typeface="Arial" panose="020B0604020202020204" pitchFamily="34" charset="0"/>
+              <a:buChar char="•"/>
+            </a:pPr>
+            <a:r>
+              <a:rPr lang="en-IN" sz="2000" dirty="0"/>
+              <a:t>Example: Medical Diagnosis Assistants</a:t>
+            </a:r>
           </a:p>
         </p:txBody>
       </p:sp>
@@ -33234,8 +33634,8 @@
         </p:nvSpPr>
         <p:spPr>
           <a:xfrm>
-            <a:off x="239697" y="284085"/>
-            <a:ext cx="11789546" cy="5509200"/>
+            <a:off x="277797" y="436485"/>
+            <a:ext cx="11789546" cy="5201424"/>
           </a:xfrm>
           <a:prstGeom prst="rect">
             <a:avLst/>
@@ -33249,22 +33649,63 @@
           <a:lstStyle/>
           <a:p>
             <a:r>
-              <a:rPr lang="en-IN" sz="3200" b="1" dirty="0"/>
-              <a:t>Rule based approach: </a:t>
+              <a:rPr lang="en-IN" sz="4000" b="1" dirty="0"/>
+              <a:t>			Rule based approach: </a:t>
             </a:r>
+          </a:p>
+          <a:p>
+            <a:endParaRPr lang="en-IN" sz="4000" b="1" dirty="0"/>
+          </a:p>
+          <a:p>
             <a:r>
-              <a:rPr lang="en-IN" sz="3200" dirty="0"/>
-              <a:t>This approach uses pattern matching and regular expressions in order to produce a response. This approach is for narrower conversation flows where the user might ask for response from a small set of possibilities.</a:t>
+              <a:rPr lang="en-IN" sz="2800" dirty="0"/>
+              <a:t>This approach uses pattern matching, regular expressions and basic NLP in order to produce a response. This approach is for narrower conversation flows where the user might ask for response from a small set of possibilities.</a:t>
             </a:r>
           </a:p>
           <a:p>
             <a:r>
-              <a:rPr lang="en-IN" sz="3200" dirty="0"/>
+              <a:rPr lang="en-IN" sz="2800" dirty="0"/>
               <a:t>Therefore, it needs only the data regarding various intentions of the user that Chatbot needs to respond to and no processing is involved in generating a model as a computer generated model is not required. In this approach, the developer has to create a set of patterns for each possible query of the chatbot. This is an ideal approach to our target audience, but requires a lot of manually created patterns for the chatbot to work with.</a:t>
             </a:r>
           </a:p>
         </p:txBody>
       </p:sp>
+      <p:pic>
+        <p:nvPicPr>
+          <p:cNvPr id="3" name="Picture 2">
+            <a:extLst>
+              <a:ext uri="{FF2B5EF4-FFF2-40B4-BE49-F238E27FC236}">
+                <a16:creationId xmlns:a16="http://schemas.microsoft.com/office/drawing/2014/main" id="{C3B61D37-5ED5-4663-9093-91965E0A4FE0}"/>
+              </a:ext>
+            </a:extLst>
+          </p:cNvPr>
+          <p:cNvPicPr>
+            <a:picLocks noChangeAspect="1"/>
+          </p:cNvPicPr>
+          <p:nvPr/>
+        </p:nvPicPr>
+        <p:blipFill>
+          <a:blip r:embed="rId2">
+            <a:extLst>
+              <a:ext uri="{28A0092B-C50C-407E-A947-70E740481C1C}">
+                <a14:useLocalDpi xmlns:a14="http://schemas.microsoft.com/office/drawing/2010/main" val="0"/>
+              </a:ext>
+            </a:extLst>
+          </a:blip>
+          <a:stretch>
+            <a:fillRect/>
+          </a:stretch>
+        </p:blipFill>
+        <p:spPr>
+          <a:xfrm>
+            <a:off x="434173" y="169785"/>
+            <a:ext cx="1217771" cy="1214945"/>
+          </a:xfrm>
+          <a:prstGeom prst="rect">
+            <a:avLst/>
+          </a:prstGeom>
+        </p:spPr>
+      </p:pic>
     </p:spTree>
     <p:extLst>
       <p:ext uri="{BB962C8B-B14F-4D97-AF65-F5344CB8AC3E}">
@@ -33309,8 +33750,8 @@
         </p:nvSpPr>
         <p:spPr>
           <a:xfrm>
-            <a:off x="239697" y="284085"/>
-            <a:ext cx="11789546" cy="6001643"/>
+            <a:off x="201227" y="513903"/>
+            <a:ext cx="11789546" cy="5509200"/>
           </a:xfrm>
           <a:prstGeom prst="rect">
             <a:avLst/>
@@ -33325,15 +33766,61 @@
           <a:p>
             <a:r>
               <a:rPr lang="en-IN" sz="3200" b="1" dirty="0"/>
+              <a:t>			</a:t>
+            </a:r>
+            <a:r>
+              <a:rPr lang="en-IN" sz="4000" b="1" dirty="0"/>
               <a:t>Hybrid approach: </a:t>
             </a:r>
+            <a:endParaRPr lang="en-IN" sz="3200" b="1" dirty="0"/>
+          </a:p>
+          <a:p>
+            <a:endParaRPr lang="en-IN" sz="3200" b="1" dirty="0"/>
+          </a:p>
+          <a:p>
             <a:r>
-              <a:rPr lang="en-IN" sz="3200" dirty="0"/>
+              <a:rPr lang="en-IN" sz="2800" dirty="0"/>
               <a:t>This is a unique approach which mixes the right amount of both AI and Rule based approaches. It takes the pros of AI based approach of having flexibility and less rigid conversation flow and the pros of Rule based approach of requiring a lot less data. Hybrid Approach can be applied in many ways, like using supervised Machine Learning algorithms to classify inputs into a small set of outputs or using pretrained Neural Network models to classify patterns similar to a given pattern. Although this also brings in a few cons of both approaches like it requires more developer efforts and more processing power to train ML based models. This approach is ideal for our Target Audience as it needs almost no data and less resources compared to AI based approach.</a:t>
             </a:r>
           </a:p>
         </p:txBody>
       </p:sp>
+      <p:pic>
+        <p:nvPicPr>
+          <p:cNvPr id="3" name="Picture 2">
+            <a:extLst>
+              <a:ext uri="{FF2B5EF4-FFF2-40B4-BE49-F238E27FC236}">
+                <a16:creationId xmlns:a16="http://schemas.microsoft.com/office/drawing/2014/main" id="{622127A9-1ADE-4F8E-A739-52BFAEBC8950}"/>
+              </a:ext>
+            </a:extLst>
+          </p:cNvPr>
+          <p:cNvPicPr>
+            <a:picLocks noChangeAspect="1"/>
+          </p:cNvPicPr>
+          <p:nvPr/>
+        </p:nvPicPr>
+        <p:blipFill>
+          <a:blip r:embed="rId2">
+            <a:extLst>
+              <a:ext uri="{28A0092B-C50C-407E-A947-70E740481C1C}">
+                <a14:useLocalDpi xmlns:a14="http://schemas.microsoft.com/office/drawing/2010/main" val="0"/>
+              </a:ext>
+            </a:extLst>
+          </a:blip>
+          <a:stretch>
+            <a:fillRect/>
+          </a:stretch>
+        </p:blipFill>
+        <p:spPr>
+          <a:xfrm>
+            <a:off x="286581" y="276225"/>
+            <a:ext cx="1361243" cy="1358086"/>
+          </a:xfrm>
+          <a:prstGeom prst="rect">
+            <a:avLst/>
+          </a:prstGeom>
+        </p:spPr>
+      </p:pic>
     </p:spTree>
     <p:extLst>
       <p:ext uri="{BB962C8B-B14F-4D97-AF65-F5344CB8AC3E}">
@@ -33378,8 +33865,8 @@
         </p:nvSpPr>
         <p:spPr>
           <a:xfrm>
-            <a:off x="284085" y="284085"/>
-            <a:ext cx="11798424" cy="6247864"/>
+            <a:off x="265035" y="436485"/>
+            <a:ext cx="11798424" cy="6263253"/>
           </a:xfrm>
           <a:prstGeom prst="rect">
             <a:avLst/>
@@ -33392,16 +33879,34 @@
           </a:bodyPr>
           <a:lstStyle/>
           <a:p>
-            <a:pPr algn="ctr"/>
             <a:r>
-              <a:rPr lang="en-IN" sz="4800" b="1" dirty="0"/>
-              <a:t>Approach used in this project</a:t>
+              <a:rPr lang="en-IN" sz="4000" b="1" dirty="0"/>
+              <a:t>			Advantages of approaches used in this project</a:t>
             </a:r>
+          </a:p>
+          <a:p>
+            <a:endParaRPr lang="en-IN" sz="900" b="1" dirty="0"/>
           </a:p>
           <a:p>
             <a:r>
               <a:rPr lang="en-IN" sz="3200" dirty="0"/>
-              <a:t>This Project will use the Rule based and Hybrid approach benefits of this are:</a:t>
+              <a:t>This Project will use the </a:t>
+            </a:r>
+            <a:r>
+              <a:rPr lang="en-IN" sz="3200" i="1" dirty="0"/>
+              <a:t>Rule based </a:t>
+            </a:r>
+            <a:r>
+              <a:rPr lang="en-IN" sz="3200" dirty="0"/>
+              <a:t>and </a:t>
+            </a:r>
+            <a:r>
+              <a:rPr lang="en-IN" sz="3200" i="1" dirty="0"/>
+              <a:t>Hybrid</a:t>
+            </a:r>
+            <a:r>
+              <a:rPr lang="en-IN" sz="3200" dirty="0"/>
+              <a:t> approach benefits of this are:</a:t>
             </a:r>
           </a:p>
           <a:p>
@@ -33476,6 +33981,42 @@
           </a:p>
         </p:txBody>
       </p:sp>
+      <p:pic>
+        <p:nvPicPr>
+          <p:cNvPr id="4" name="Picture 3">
+            <a:extLst>
+              <a:ext uri="{FF2B5EF4-FFF2-40B4-BE49-F238E27FC236}">
+                <a16:creationId xmlns:a16="http://schemas.microsoft.com/office/drawing/2014/main" id="{A52DD031-EF4C-4CF8-B424-2A5EFD37CAFF}"/>
+              </a:ext>
+            </a:extLst>
+          </p:cNvPr>
+          <p:cNvPicPr>
+            <a:picLocks noChangeAspect="1"/>
+          </p:cNvPicPr>
+          <p:nvPr/>
+        </p:nvPicPr>
+        <p:blipFill>
+          <a:blip r:embed="rId2">
+            <a:extLst>
+              <a:ext uri="{28A0092B-C50C-407E-A947-70E740481C1C}">
+                <a14:useLocalDpi xmlns:a14="http://schemas.microsoft.com/office/drawing/2010/main" val="0"/>
+              </a:ext>
+            </a:extLst>
+          </a:blip>
+          <a:stretch>
+            <a:fillRect/>
+          </a:stretch>
+        </p:blipFill>
+        <p:spPr>
+          <a:xfrm>
+            <a:off x="466725" y="112949"/>
+            <a:ext cx="1001475" cy="1001475"/>
+          </a:xfrm>
+          <a:prstGeom prst="rect">
+            <a:avLst/>
+          </a:prstGeom>
+        </p:spPr>
+      </p:pic>
     </p:spTree>
     <p:extLst>
       <p:ext uri="{BB962C8B-B14F-4D97-AF65-F5344CB8AC3E}">
@@ -33615,8 +34156,8 @@
         </p:nvSpPr>
         <p:spPr>
           <a:xfrm>
-            <a:off x="204186" y="177553"/>
-            <a:ext cx="11904956" cy="6555641"/>
+            <a:off x="287044" y="366623"/>
+            <a:ext cx="11904956" cy="6124754"/>
           </a:xfrm>
           <a:prstGeom prst="rect">
             <a:avLst/>
@@ -33629,11 +34170,13 @@
           </a:bodyPr>
           <a:lstStyle/>
           <a:p>
-            <a:pPr algn="ctr"/>
             <a:r>
               <a:rPr lang="en-IN" sz="2800" b="1" dirty="0"/>
-              <a:t>Features of the Chatbot</a:t>
+              <a:t>		Features of the Chatbot</a:t>
             </a:r>
+          </a:p>
+          <a:p>
+            <a:pPr algn="ctr"/>
             <a:endParaRPr lang="en-IN" sz="2800" dirty="0"/>
           </a:p>
           <a:p>
@@ -33708,6 +34251,42 @@
           </a:p>
         </p:txBody>
       </p:sp>
+      <p:pic>
+        <p:nvPicPr>
+          <p:cNvPr id="4" name="Picture 3">
+            <a:extLst>
+              <a:ext uri="{FF2B5EF4-FFF2-40B4-BE49-F238E27FC236}">
+                <a16:creationId xmlns:a16="http://schemas.microsoft.com/office/drawing/2014/main" id="{A774580A-24A7-4541-97FE-DDC320CBFAB6}"/>
+              </a:ext>
+            </a:extLst>
+          </p:cNvPr>
+          <p:cNvPicPr>
+            <a:picLocks noChangeAspect="1"/>
+          </p:cNvPicPr>
+          <p:nvPr/>
+        </p:nvPicPr>
+        <p:blipFill>
+          <a:blip r:embed="rId2">
+            <a:extLst>
+              <a:ext uri="{28A0092B-C50C-407E-A947-70E740481C1C}">
+                <a14:useLocalDpi xmlns:a14="http://schemas.microsoft.com/office/drawing/2010/main" val="0"/>
+              </a:ext>
+            </a:extLst>
+          </a:blip>
+          <a:stretch>
+            <a:fillRect/>
+          </a:stretch>
+        </p:blipFill>
+        <p:spPr>
+          <a:xfrm>
+            <a:off x="524523" y="244229"/>
+            <a:ext cx="708272" cy="708272"/>
+          </a:xfrm>
+          <a:prstGeom prst="rect">
+            <a:avLst/>
+          </a:prstGeom>
+        </p:spPr>
+      </p:pic>
     </p:spTree>
     <p:extLst>
       <p:ext uri="{BB962C8B-B14F-4D97-AF65-F5344CB8AC3E}">

--- a/Chatbot/Presentation Data/Final Presentation.pptx
+++ b/Chatbot/Presentation Data/Final Presentation.pptx
@@ -31617,6 +31617,63 @@
           </a:p>
         </p:txBody>
       </p:sp>
+      <p:sp>
+        <p:nvSpPr>
+          <p:cNvPr id="6" name="Hexagon 5">
+            <a:extLst>
+              <a:ext uri="{FF2B5EF4-FFF2-40B4-BE49-F238E27FC236}">
+                <a16:creationId xmlns:a16="http://schemas.microsoft.com/office/drawing/2014/main" id="{00AB2715-9967-4268-83AB-DC6A129D1573}"/>
+              </a:ext>
+            </a:extLst>
+          </p:cNvPr>
+          <p:cNvSpPr/>
+          <p:nvPr/>
+        </p:nvSpPr>
+        <p:spPr>
+          <a:xfrm>
+            <a:off x="370364" y="578981"/>
+            <a:ext cx="6527585" cy="5696608"/>
+          </a:xfrm>
+          <a:prstGeom prst="hexagon">
+            <a:avLst/>
+          </a:prstGeom>
+          <a:solidFill>
+            <a:schemeClr val="bg1">
+              <a:lumMod val="75000"/>
+              <a:lumOff val="25000"/>
+            </a:schemeClr>
+          </a:solidFill>
+          <a:ln w="76200">
+            <a:solidFill>
+              <a:schemeClr val="bg1"/>
+            </a:solidFill>
+          </a:ln>
+        </p:spPr>
+        <p:style>
+          <a:lnRef idx="2">
+            <a:schemeClr val="accent1">
+              <a:shade val="50000"/>
+            </a:schemeClr>
+          </a:lnRef>
+          <a:fillRef idx="1">
+            <a:schemeClr val="accent1"/>
+          </a:fillRef>
+          <a:effectRef idx="0">
+            <a:schemeClr val="accent1"/>
+          </a:effectRef>
+          <a:fontRef idx="minor">
+            <a:schemeClr val="lt1"/>
+          </a:fontRef>
+        </p:style>
+        <p:txBody>
+          <a:bodyPr rtlCol="0" anchor="ctr"/>
+          <a:lstStyle/>
+          <a:p>
+            <a:pPr algn="ctr"/>
+            <a:endParaRPr lang="en-IN"/>
+          </a:p>
+        </p:txBody>
+      </p:sp>
       <p:pic>
         <p:nvPicPr>
           <p:cNvPr id="5" name="Picture 4">
@@ -31661,7 +31718,7 @@
         </p:blipFill>
         <p:spPr>
           <a:xfrm>
-            <a:off x="1107397" y="582411"/>
+            <a:off x="1139854" y="578981"/>
             <a:ext cx="4988603" cy="4988603"/>
           </a:xfrm>
           <a:prstGeom prst="rect">
@@ -31713,7 +31770,7 @@
         </p:nvSpPr>
         <p:spPr>
           <a:xfrm>
-            <a:off x="1349405" y="72550"/>
+            <a:off x="1522286" y="118170"/>
             <a:ext cx="9312676" cy="646331"/>
           </a:xfrm>
           <a:prstGeom prst="rect">
@@ -31886,14 +31943,66 @@
         </p:blipFill>
         <p:spPr>
           <a:xfrm>
-            <a:off x="599890" y="105171"/>
-            <a:ext cx="550037" cy="550037"/>
+            <a:off x="669107" y="204868"/>
+            <a:ext cx="444349" cy="444349"/>
           </a:xfrm>
           <a:prstGeom prst="rect">
             <a:avLst/>
           </a:prstGeom>
         </p:spPr>
       </p:pic>
+      <p:sp>
+        <p:nvSpPr>
+          <p:cNvPr id="6" name="Hexagon 5">
+            <a:extLst>
+              <a:ext uri="{FF2B5EF4-FFF2-40B4-BE49-F238E27FC236}">
+                <a16:creationId xmlns:a16="http://schemas.microsoft.com/office/drawing/2014/main" id="{25CE1688-646B-42F0-B6E6-EF12139D7044}"/>
+              </a:ext>
+            </a:extLst>
+          </p:cNvPr>
+          <p:cNvSpPr/>
+          <p:nvPr/>
+        </p:nvSpPr>
+        <p:spPr>
+          <a:xfrm>
+            <a:off x="521936" y="118170"/>
+            <a:ext cx="738693" cy="646331"/>
+          </a:xfrm>
+          <a:prstGeom prst="hexagon">
+            <a:avLst/>
+          </a:prstGeom>
+          <a:noFill/>
+          <a:ln w="57150">
+            <a:solidFill>
+              <a:schemeClr val="tx1"/>
+            </a:solidFill>
+          </a:ln>
+        </p:spPr>
+        <p:style>
+          <a:lnRef idx="2">
+            <a:schemeClr val="accent1">
+              <a:shade val="50000"/>
+            </a:schemeClr>
+          </a:lnRef>
+          <a:fillRef idx="1">
+            <a:schemeClr val="accent1"/>
+          </a:fillRef>
+          <a:effectRef idx="0">
+            <a:schemeClr val="accent1"/>
+          </a:effectRef>
+          <a:fontRef idx="minor">
+            <a:schemeClr val="lt1"/>
+          </a:fontRef>
+        </p:style>
+        <p:txBody>
+          <a:bodyPr rtlCol="0" anchor="ctr"/>
+          <a:lstStyle/>
+          <a:p>
+            <a:pPr algn="ctr"/>
+            <a:endParaRPr lang="en-IN"/>
+          </a:p>
+        </p:txBody>
+      </p:sp>
     </p:spTree>
     <p:extLst>
       <p:ext uri="{BB962C8B-B14F-4D97-AF65-F5344CB8AC3E}">
@@ -32822,7 +32931,7 @@
           <a:p>
             <a:r>
               <a:rPr lang="en-IN" sz="4800" b="1" dirty="0"/>
-              <a:t>		Conclusion and Future development</a:t>
+              <a:t>		 Conclusion and Future development</a:t>
             </a:r>
           </a:p>
           <a:p>
@@ -32898,14 +33007,66 @@
         </p:blipFill>
         <p:spPr>
           <a:xfrm>
-            <a:off x="207390" y="92529"/>
-            <a:ext cx="1010250" cy="1012312"/>
+            <a:off x="393821" y="314471"/>
+            <a:ext cx="662622" cy="663974"/>
           </a:xfrm>
           <a:prstGeom prst="rect">
             <a:avLst/>
           </a:prstGeom>
         </p:spPr>
       </p:pic>
+      <p:sp>
+        <p:nvSpPr>
+          <p:cNvPr id="5" name="Hexagon 4">
+            <a:extLst>
+              <a:ext uri="{FF2B5EF4-FFF2-40B4-BE49-F238E27FC236}">
+                <a16:creationId xmlns:a16="http://schemas.microsoft.com/office/drawing/2014/main" id="{27900C39-1C8B-4356-B1FE-07DA71D00607}"/>
+              </a:ext>
+            </a:extLst>
+          </p:cNvPr>
+          <p:cNvSpPr/>
+          <p:nvPr/>
+        </p:nvSpPr>
+        <p:spPr>
+          <a:xfrm>
+            <a:off x="172682" y="168376"/>
+            <a:ext cx="1104900" cy="956163"/>
+          </a:xfrm>
+          <a:prstGeom prst="hexagon">
+            <a:avLst/>
+          </a:prstGeom>
+          <a:noFill/>
+          <a:ln w="57150">
+            <a:solidFill>
+              <a:schemeClr val="tx1"/>
+            </a:solidFill>
+          </a:ln>
+        </p:spPr>
+        <p:style>
+          <a:lnRef idx="2">
+            <a:schemeClr val="accent1">
+              <a:shade val="50000"/>
+            </a:schemeClr>
+          </a:lnRef>
+          <a:fillRef idx="1">
+            <a:schemeClr val="accent1"/>
+          </a:fillRef>
+          <a:effectRef idx="0">
+            <a:schemeClr val="accent1"/>
+          </a:effectRef>
+          <a:fontRef idx="minor">
+            <a:schemeClr val="lt1"/>
+          </a:fontRef>
+        </p:style>
+        <p:txBody>
+          <a:bodyPr rtlCol="0" anchor="ctr"/>
+          <a:lstStyle/>
+          <a:p>
+            <a:pPr algn="ctr"/>
+            <a:endParaRPr lang="en-IN"/>
+          </a:p>
+        </p:txBody>
+      </p:sp>
     </p:spTree>
     <p:extLst>
       <p:ext uri="{BB962C8B-B14F-4D97-AF65-F5344CB8AC3E}">
@@ -33109,6 +33270,94 @@
           </a:p>
         </p:txBody>
       </p:sp>
+      <p:pic>
+        <p:nvPicPr>
+          <p:cNvPr id="8" name="Picture 7">
+            <a:extLst>
+              <a:ext uri="{FF2B5EF4-FFF2-40B4-BE49-F238E27FC236}">
+                <a16:creationId xmlns:a16="http://schemas.microsoft.com/office/drawing/2014/main" id="{E3F0FCBA-2DDA-43AF-8F2B-3F5C21422DDD}"/>
+              </a:ext>
+            </a:extLst>
+          </p:cNvPr>
+          <p:cNvPicPr>
+            <a:picLocks noChangeAspect="1"/>
+          </p:cNvPicPr>
+          <p:nvPr/>
+        </p:nvPicPr>
+        <p:blipFill>
+          <a:blip r:embed="rId2">
+            <a:extLst>
+              <a:ext uri="{28A0092B-C50C-407E-A947-70E740481C1C}">
+                <a14:useLocalDpi xmlns:a14="http://schemas.microsoft.com/office/drawing/2010/main" val="0"/>
+              </a:ext>
+            </a:extLst>
+          </a:blip>
+          <a:stretch>
+            <a:fillRect/>
+          </a:stretch>
+        </p:blipFill>
+        <p:spPr>
+          <a:xfrm>
+            <a:off x="355008" y="223364"/>
+            <a:ext cx="781628" cy="779814"/>
+          </a:xfrm>
+          <a:prstGeom prst="rect">
+            <a:avLst/>
+          </a:prstGeom>
+        </p:spPr>
+      </p:pic>
+      <p:sp>
+        <p:nvSpPr>
+          <p:cNvPr id="9" name="Hexagon 8">
+            <a:extLst>
+              <a:ext uri="{FF2B5EF4-FFF2-40B4-BE49-F238E27FC236}">
+                <a16:creationId xmlns:a16="http://schemas.microsoft.com/office/drawing/2014/main" id="{6A1B84CC-D7D0-469F-8D9E-B94E467D887B}"/>
+              </a:ext>
+            </a:extLst>
+          </p:cNvPr>
+          <p:cNvSpPr/>
+          <p:nvPr/>
+        </p:nvSpPr>
+        <p:spPr>
+          <a:xfrm>
+            <a:off x="192812" y="109388"/>
+            <a:ext cx="1104900" cy="956163"/>
+          </a:xfrm>
+          <a:prstGeom prst="hexagon">
+            <a:avLst/>
+          </a:prstGeom>
+          <a:noFill/>
+          <a:ln w="57150">
+            <a:solidFill>
+              <a:schemeClr val="tx1"/>
+            </a:solidFill>
+          </a:ln>
+        </p:spPr>
+        <p:style>
+          <a:lnRef idx="2">
+            <a:schemeClr val="accent1">
+              <a:shade val="50000"/>
+            </a:schemeClr>
+          </a:lnRef>
+          <a:fillRef idx="1">
+            <a:schemeClr val="accent1"/>
+          </a:fillRef>
+          <a:effectRef idx="0">
+            <a:schemeClr val="accent1"/>
+          </a:effectRef>
+          <a:fontRef idx="minor">
+            <a:schemeClr val="lt1"/>
+          </a:fontRef>
+        </p:style>
+        <p:txBody>
+          <a:bodyPr rtlCol="0" anchor="ctr"/>
+          <a:lstStyle/>
+          <a:p>
+            <a:pPr algn="ctr"/>
+            <a:endParaRPr lang="en-IN"/>
+          </a:p>
+        </p:txBody>
+      </p:sp>
     </p:spTree>
     <p:extLst>
       <p:ext uri="{BB962C8B-B14F-4D97-AF65-F5344CB8AC3E}">
@@ -33203,6 +33452,94 @@
               <a:rPr lang="en-IN" sz="2800" dirty="0"/>
               <a:t>So the Project requires very less in terms of data, and therefore a decent candidate for small businesses. Although, it still requires slightly more resources to work and more developer effort than AI based chatbots and is comparably more basic and rigid in terms of conversation flow.</a:t>
             </a:r>
+          </a:p>
+        </p:txBody>
+      </p:sp>
+      <p:pic>
+        <p:nvPicPr>
+          <p:cNvPr id="4" name="Picture 3">
+            <a:extLst>
+              <a:ext uri="{FF2B5EF4-FFF2-40B4-BE49-F238E27FC236}">
+                <a16:creationId xmlns:a16="http://schemas.microsoft.com/office/drawing/2014/main" id="{17531B20-1BCE-438D-83ED-CA9D3A9EFC09}"/>
+              </a:ext>
+            </a:extLst>
+          </p:cNvPr>
+          <p:cNvPicPr>
+            <a:picLocks noChangeAspect="1"/>
+          </p:cNvPicPr>
+          <p:nvPr/>
+        </p:nvPicPr>
+        <p:blipFill>
+          <a:blip r:embed="rId2">
+            <a:extLst>
+              <a:ext uri="{28A0092B-C50C-407E-A947-70E740481C1C}">
+                <a14:useLocalDpi xmlns:a14="http://schemas.microsoft.com/office/drawing/2010/main" val="0"/>
+              </a:ext>
+            </a:extLst>
+          </a:blip>
+          <a:stretch>
+            <a:fillRect/>
+          </a:stretch>
+        </p:blipFill>
+        <p:spPr>
+          <a:xfrm>
+            <a:off x="1381126" y="284085"/>
+            <a:ext cx="609079" cy="594804"/>
+          </a:xfrm>
+          <a:prstGeom prst="rect">
+            <a:avLst/>
+          </a:prstGeom>
+        </p:spPr>
+      </p:pic>
+      <p:sp>
+        <p:nvSpPr>
+          <p:cNvPr id="5" name="Hexagon 4">
+            <a:extLst>
+              <a:ext uri="{FF2B5EF4-FFF2-40B4-BE49-F238E27FC236}">
+                <a16:creationId xmlns:a16="http://schemas.microsoft.com/office/drawing/2014/main" id="{249B24C7-BAA0-4B25-8D42-76F321B9D376}"/>
+              </a:ext>
+            </a:extLst>
+          </p:cNvPr>
+          <p:cNvSpPr/>
+          <p:nvPr/>
+        </p:nvSpPr>
+        <p:spPr>
+          <a:xfrm>
+            <a:off x="1133215" y="103405"/>
+            <a:ext cx="1104900" cy="956163"/>
+          </a:xfrm>
+          <a:prstGeom prst="hexagon">
+            <a:avLst/>
+          </a:prstGeom>
+          <a:noFill/>
+          <a:ln w="57150">
+            <a:solidFill>
+              <a:schemeClr val="tx1"/>
+            </a:solidFill>
+          </a:ln>
+        </p:spPr>
+        <p:style>
+          <a:lnRef idx="2">
+            <a:schemeClr val="accent1">
+              <a:shade val="50000"/>
+            </a:schemeClr>
+          </a:lnRef>
+          <a:fillRef idx="1">
+            <a:schemeClr val="accent1"/>
+          </a:fillRef>
+          <a:effectRef idx="0">
+            <a:schemeClr val="accent1"/>
+          </a:effectRef>
+          <a:fontRef idx="minor">
+            <a:schemeClr val="lt1"/>
+          </a:fontRef>
+        </p:style>
+        <p:txBody>
+          <a:bodyPr rtlCol="0" anchor="ctr"/>
+          <a:lstStyle/>
+          <a:p>
+            <a:pPr algn="ctr"/>
+            <a:endParaRPr lang="en-IN"/>
           </a:p>
         </p:txBody>
       </p:sp>
@@ -34009,14 +34346,66 @@
         </p:blipFill>
         <p:spPr>
           <a:xfrm>
-            <a:off x="466725" y="112949"/>
-            <a:ext cx="1001475" cy="1001475"/>
+            <a:off x="666074" y="207042"/>
+            <a:ext cx="850231" cy="850231"/>
           </a:xfrm>
           <a:prstGeom prst="rect">
             <a:avLst/>
           </a:prstGeom>
         </p:spPr>
       </p:pic>
+      <p:sp>
+        <p:nvSpPr>
+          <p:cNvPr id="2" name="Hexagon 1">
+            <a:extLst>
+              <a:ext uri="{FF2B5EF4-FFF2-40B4-BE49-F238E27FC236}">
+                <a16:creationId xmlns:a16="http://schemas.microsoft.com/office/drawing/2014/main" id="{295DEA39-08CB-42DA-A244-8CABC2FDC684}"/>
+              </a:ext>
+            </a:extLst>
+          </p:cNvPr>
+          <p:cNvSpPr/>
+          <p:nvPr/>
+        </p:nvSpPr>
+        <p:spPr>
+          <a:xfrm>
+            <a:off x="485775" y="207042"/>
+            <a:ext cx="1104900" cy="956163"/>
+          </a:xfrm>
+          <a:prstGeom prst="hexagon">
+            <a:avLst/>
+          </a:prstGeom>
+          <a:noFill/>
+          <a:ln w="57150">
+            <a:solidFill>
+              <a:schemeClr val="tx1"/>
+            </a:solidFill>
+          </a:ln>
+        </p:spPr>
+        <p:style>
+          <a:lnRef idx="2">
+            <a:schemeClr val="accent1">
+              <a:shade val="50000"/>
+            </a:schemeClr>
+          </a:lnRef>
+          <a:fillRef idx="1">
+            <a:schemeClr val="accent1"/>
+          </a:fillRef>
+          <a:effectRef idx="0">
+            <a:schemeClr val="accent1"/>
+          </a:effectRef>
+          <a:fontRef idx="minor">
+            <a:schemeClr val="lt1"/>
+          </a:fontRef>
+        </p:style>
+        <p:txBody>
+          <a:bodyPr rtlCol="0" anchor="ctr"/>
+          <a:lstStyle/>
+          <a:p>
+            <a:pPr algn="ctr"/>
+            <a:endParaRPr lang="en-IN"/>
+          </a:p>
+        </p:txBody>
+      </p:sp>
     </p:spTree>
     <p:extLst>
       <p:ext uri="{BB962C8B-B14F-4D97-AF65-F5344CB8AC3E}">
@@ -34172,7 +34561,7 @@
           <a:p>
             <a:r>
               <a:rPr lang="en-IN" sz="2800" b="1" dirty="0"/>
-              <a:t>		Features of the Chatbot</a:t>
+              <a:t>		   Features of the Chatbot</a:t>
             </a:r>
           </a:p>
           <a:p>
@@ -34287,6 +34676,58 @@
           </a:prstGeom>
         </p:spPr>
       </p:pic>
+      <p:sp>
+        <p:nvSpPr>
+          <p:cNvPr id="5" name="Hexagon 4">
+            <a:extLst>
+              <a:ext uri="{FF2B5EF4-FFF2-40B4-BE49-F238E27FC236}">
+                <a16:creationId xmlns:a16="http://schemas.microsoft.com/office/drawing/2014/main" id="{6A87B3D1-0AC5-4A5F-8BB6-C25794FC96D3}"/>
+              </a:ext>
+            </a:extLst>
+          </p:cNvPr>
+          <p:cNvSpPr/>
+          <p:nvPr/>
+        </p:nvSpPr>
+        <p:spPr>
+          <a:xfrm>
+            <a:off x="326209" y="120283"/>
+            <a:ext cx="1104900" cy="956163"/>
+          </a:xfrm>
+          <a:prstGeom prst="hexagon">
+            <a:avLst/>
+          </a:prstGeom>
+          <a:noFill/>
+          <a:ln w="57150">
+            <a:solidFill>
+              <a:schemeClr val="tx1"/>
+            </a:solidFill>
+          </a:ln>
+        </p:spPr>
+        <p:style>
+          <a:lnRef idx="2">
+            <a:schemeClr val="accent1">
+              <a:shade val="50000"/>
+            </a:schemeClr>
+          </a:lnRef>
+          <a:fillRef idx="1">
+            <a:schemeClr val="accent1"/>
+          </a:fillRef>
+          <a:effectRef idx="0">
+            <a:schemeClr val="accent1"/>
+          </a:effectRef>
+          <a:fontRef idx="minor">
+            <a:schemeClr val="lt1"/>
+          </a:fontRef>
+        </p:style>
+        <p:txBody>
+          <a:bodyPr rtlCol="0" anchor="ctr"/>
+          <a:lstStyle/>
+          <a:p>
+            <a:pPr algn="ctr"/>
+            <a:endParaRPr lang="en-IN"/>
+          </a:p>
+        </p:txBody>
+      </p:sp>
     </p:spTree>
     <p:extLst>
       <p:ext uri="{BB962C8B-B14F-4D97-AF65-F5344CB8AC3E}">

--- a/Chatbot/Presentation Data/Final Presentation.pptx
+++ b/Chatbot/Presentation Data/Final Presentation.pptx
@@ -8993,7 +8993,7 @@
           <a:p>
             <a:fld id="{798DBB47-160A-45F9-AEC8-4D7BF30050C2}" type="datetimeFigureOut">
               <a:rPr lang="en-IN" smtClean="0"/>
-              <a:t>14-06-2021</a:t>
+              <a:t>15-06-2021</a:t>
             </a:fld>
             <a:endParaRPr lang="en-IN"/>
           </a:p>
@@ -9206,7 +9206,7 @@
           <a:p>
             <a:fld id="{798DBB47-160A-45F9-AEC8-4D7BF30050C2}" type="datetimeFigureOut">
               <a:rPr lang="en-IN" smtClean="0"/>
-              <a:t>14-06-2021</a:t>
+              <a:t>15-06-2021</a:t>
             </a:fld>
             <a:endParaRPr lang="en-IN"/>
           </a:p>
@@ -11533,7 +11533,7 @@
           <a:p>
             <a:fld id="{798DBB47-160A-45F9-AEC8-4D7BF30050C2}" type="datetimeFigureOut">
               <a:rPr lang="en-IN" smtClean="0"/>
-              <a:t>14-06-2021</a:t>
+              <a:t>15-06-2021</a:t>
             </a:fld>
             <a:endParaRPr lang="en-IN"/>
           </a:p>
@@ -11752,7 +11752,7 @@
           <a:p>
             <a:fld id="{798DBB47-160A-45F9-AEC8-4D7BF30050C2}" type="datetimeFigureOut">
               <a:rPr lang="en-IN" smtClean="0"/>
-              <a:t>14-06-2021</a:t>
+              <a:t>15-06-2021</a:t>
             </a:fld>
             <a:endParaRPr lang="en-IN"/>
           </a:p>
@@ -20575,7 +20575,7 @@
           <a:p>
             <a:fld id="{798DBB47-160A-45F9-AEC8-4D7BF30050C2}" type="datetimeFigureOut">
               <a:rPr lang="en-IN" smtClean="0"/>
-              <a:t>14-06-2021</a:t>
+              <a:t>15-06-2021</a:t>
             </a:fld>
             <a:endParaRPr lang="en-IN"/>
           </a:p>
@@ -21003,7 +21003,7 @@
           <a:p>
             <a:fld id="{798DBB47-160A-45F9-AEC8-4D7BF30050C2}" type="datetimeFigureOut">
               <a:rPr lang="en-IN" smtClean="0"/>
-              <a:t>14-06-2021</a:t>
+              <a:t>15-06-2021</a:t>
             </a:fld>
             <a:endParaRPr lang="en-IN"/>
           </a:p>
@@ -21384,7 +21384,7 @@
           <a:p>
             <a:fld id="{798DBB47-160A-45F9-AEC8-4D7BF30050C2}" type="datetimeFigureOut">
               <a:rPr lang="en-IN" smtClean="0"/>
-              <a:t>14-06-2021</a:t>
+              <a:t>15-06-2021</a:t>
             </a:fld>
             <a:endParaRPr lang="en-IN"/>
           </a:p>
@@ -21502,7 +21502,7 @@
           <a:p>
             <a:fld id="{798DBB47-160A-45F9-AEC8-4D7BF30050C2}" type="datetimeFigureOut">
               <a:rPr lang="en-IN" smtClean="0"/>
-              <a:t>14-06-2021</a:t>
+              <a:t>15-06-2021</a:t>
             </a:fld>
             <a:endParaRPr lang="en-IN"/>
           </a:p>
@@ -21605,7 +21605,7 @@
           <a:p>
             <a:fld id="{798DBB47-160A-45F9-AEC8-4D7BF30050C2}" type="datetimeFigureOut">
               <a:rPr lang="en-IN" smtClean="0"/>
-              <a:t>14-06-2021</a:t>
+              <a:t>15-06-2021</a:t>
             </a:fld>
             <a:endParaRPr lang="en-IN"/>
           </a:p>
@@ -26194,7 +26194,7 @@
           <a:p>
             <a:fld id="{798DBB47-160A-45F9-AEC8-4D7BF30050C2}" type="datetimeFigureOut">
               <a:rPr lang="en-IN" smtClean="0"/>
-              <a:t>14-06-2021</a:t>
+              <a:t>15-06-2021</a:t>
             </a:fld>
             <a:endParaRPr lang="en-IN"/>
           </a:p>
@@ -28639,7 +28639,7 @@
           <a:p>
             <a:fld id="{798DBB47-160A-45F9-AEC8-4D7BF30050C2}" type="datetimeFigureOut">
               <a:rPr lang="en-IN" smtClean="0"/>
-              <a:t>14-06-2021</a:t>
+              <a:t>15-06-2021</a:t>
             </a:fld>
             <a:endParaRPr lang="en-IN"/>
           </a:p>
@@ -31016,7 +31016,7 @@
           <a:p>
             <a:fld id="{798DBB47-160A-45F9-AEC8-4D7BF30050C2}" type="datetimeFigureOut">
               <a:rPr lang="en-IN" smtClean="0"/>
-              <a:t>14-06-2021</a:t>
+              <a:t>15-06-2021</a:t>
             </a:fld>
             <a:endParaRPr lang="en-IN"/>
           </a:p>
@@ -32801,10 +32801,10 @@
       </p:sp>
       <p:pic>
         <p:nvPicPr>
-          <p:cNvPr id="8" name="Picture 7" descr="Text&#10;&#10;Description automatically generated">
+          <p:cNvPr id="5" name="Picture 4">
             <a:extLst>
               <a:ext uri="{FF2B5EF4-FFF2-40B4-BE49-F238E27FC236}">
-                <a16:creationId xmlns:a16="http://schemas.microsoft.com/office/drawing/2014/main" id="{30F1EEA8-4F4B-49C7-853E-7C60FCD9FC21}"/>
+                <a16:creationId xmlns:a16="http://schemas.microsoft.com/office/drawing/2014/main" id="{45CBB8C3-F0C0-493A-BD66-78B8DFA6616D}"/>
               </a:ext>
             </a:extLst>
           </p:cNvPr>
@@ -32813,22 +32813,15 @@
           </p:cNvPicPr>
           <p:nvPr/>
         </p:nvPicPr>
-        <p:blipFill>
-          <a:blip r:embed="rId2">
-            <a:extLst>
-              <a:ext uri="{28A0092B-C50C-407E-A947-70E740481C1C}">
-                <a14:useLocalDpi xmlns:a14="http://schemas.microsoft.com/office/drawing/2010/main" val="0"/>
-              </a:ext>
-            </a:extLst>
-          </a:blip>
-          <a:stretch>
-            <a:fillRect/>
-          </a:stretch>
+        <p:blipFill rotWithShape="1">
+          <a:blip r:embed="rId2"/>
+          <a:srcRect l="19005" t="14675" r="39563" b="15015"/>
+          <a:stretch/>
         </p:blipFill>
         <p:spPr>
           <a:xfrm>
-            <a:off x="1025187" y="997174"/>
-            <a:ext cx="4525964" cy="5235212"/>
+            <a:off x="6554403" y="1315461"/>
+            <a:ext cx="5051394" cy="4598633"/>
           </a:xfrm>
           <a:prstGeom prst="rect">
             <a:avLst/>
@@ -32837,10 +32830,10 @@
       </p:pic>
       <p:pic>
         <p:nvPicPr>
-          <p:cNvPr id="4" name="Picture 3" descr="Text&#10;&#10;Description automatically generated">
+          <p:cNvPr id="12" name="Picture 11">
             <a:extLst>
               <a:ext uri="{FF2B5EF4-FFF2-40B4-BE49-F238E27FC236}">
-                <a16:creationId xmlns:a16="http://schemas.microsoft.com/office/drawing/2014/main" id="{2B72F357-E2DD-49DC-BA59-85C3B7DFB5C4}"/>
+                <a16:creationId xmlns:a16="http://schemas.microsoft.com/office/drawing/2014/main" id="{6B7D3D1F-9D00-479D-AB2B-EBBE18D58B0F}"/>
               </a:ext>
             </a:extLst>
           </p:cNvPr>
@@ -32849,22 +32842,15 @@
           </p:cNvPicPr>
           <p:nvPr/>
         </p:nvPicPr>
-        <p:blipFill>
-          <a:blip r:embed="rId3">
-            <a:extLst>
-              <a:ext uri="{28A0092B-C50C-407E-A947-70E740481C1C}">
-                <a14:useLocalDpi xmlns:a14="http://schemas.microsoft.com/office/drawing/2010/main" val="0"/>
-              </a:ext>
-            </a:extLst>
-          </a:blip>
-          <a:stretch>
-            <a:fillRect/>
-          </a:stretch>
+        <p:blipFill rotWithShape="1">
+          <a:blip r:embed="rId3"/>
+          <a:srcRect l="19442" t="27841" r="34247" b="10672"/>
+          <a:stretch/>
         </p:blipFill>
         <p:spPr>
           <a:xfrm>
-            <a:off x="6640851" y="997174"/>
-            <a:ext cx="4893924" cy="5256953"/>
+            <a:off x="449802" y="1603986"/>
+            <a:ext cx="5646198" cy="4021585"/>
           </a:xfrm>
           <a:prstGeom prst="rect">
             <a:avLst/>

--- a/Chatbot/Presentation Data/Final Presentation.pptx
+++ b/Chatbot/Presentation Data/Final Presentation.pptx
@@ -21,9 +21,10 @@
     <p:sldId id="278" r:id="rId15"/>
     <p:sldId id="264" r:id="rId16"/>
     <p:sldId id="274" r:id="rId17"/>
-    <p:sldId id="267" r:id="rId18"/>
-    <p:sldId id="265" r:id="rId19"/>
-    <p:sldId id="268" r:id="rId20"/>
+    <p:sldId id="280" r:id="rId18"/>
+    <p:sldId id="267" r:id="rId19"/>
+    <p:sldId id="265" r:id="rId20"/>
+    <p:sldId id="268" r:id="rId21"/>
   </p:sldIdLst>
   <p:sldSz cx="12192000" cy="6858000"/>
   <p:notesSz cx="6858000" cy="9144000"/>
@@ -8993,7 +8994,7 @@
           <a:p>
             <a:fld id="{798DBB47-160A-45F9-AEC8-4D7BF30050C2}" type="datetimeFigureOut">
               <a:rPr lang="en-IN" smtClean="0"/>
-              <a:t>15-06-2021</a:t>
+              <a:t>16-06-2021</a:t>
             </a:fld>
             <a:endParaRPr lang="en-IN"/>
           </a:p>
@@ -9206,7 +9207,7 @@
           <a:p>
             <a:fld id="{798DBB47-160A-45F9-AEC8-4D7BF30050C2}" type="datetimeFigureOut">
               <a:rPr lang="en-IN" smtClean="0"/>
-              <a:t>15-06-2021</a:t>
+              <a:t>16-06-2021</a:t>
             </a:fld>
             <a:endParaRPr lang="en-IN"/>
           </a:p>
@@ -11533,7 +11534,7 @@
           <a:p>
             <a:fld id="{798DBB47-160A-45F9-AEC8-4D7BF30050C2}" type="datetimeFigureOut">
               <a:rPr lang="en-IN" smtClean="0"/>
-              <a:t>15-06-2021</a:t>
+              <a:t>16-06-2021</a:t>
             </a:fld>
             <a:endParaRPr lang="en-IN"/>
           </a:p>
@@ -11752,7 +11753,7 @@
           <a:p>
             <a:fld id="{798DBB47-160A-45F9-AEC8-4D7BF30050C2}" type="datetimeFigureOut">
               <a:rPr lang="en-IN" smtClean="0"/>
-              <a:t>15-06-2021</a:t>
+              <a:t>16-06-2021</a:t>
             </a:fld>
             <a:endParaRPr lang="en-IN"/>
           </a:p>
@@ -20575,7 +20576,7 @@
           <a:p>
             <a:fld id="{798DBB47-160A-45F9-AEC8-4D7BF30050C2}" type="datetimeFigureOut">
               <a:rPr lang="en-IN" smtClean="0"/>
-              <a:t>15-06-2021</a:t>
+              <a:t>16-06-2021</a:t>
             </a:fld>
             <a:endParaRPr lang="en-IN"/>
           </a:p>
@@ -21003,7 +21004,7 @@
           <a:p>
             <a:fld id="{798DBB47-160A-45F9-AEC8-4D7BF30050C2}" type="datetimeFigureOut">
               <a:rPr lang="en-IN" smtClean="0"/>
-              <a:t>15-06-2021</a:t>
+              <a:t>16-06-2021</a:t>
             </a:fld>
             <a:endParaRPr lang="en-IN"/>
           </a:p>
@@ -21384,7 +21385,7 @@
           <a:p>
             <a:fld id="{798DBB47-160A-45F9-AEC8-4D7BF30050C2}" type="datetimeFigureOut">
               <a:rPr lang="en-IN" smtClean="0"/>
-              <a:t>15-06-2021</a:t>
+              <a:t>16-06-2021</a:t>
             </a:fld>
             <a:endParaRPr lang="en-IN"/>
           </a:p>
@@ -21502,7 +21503,7 @@
           <a:p>
             <a:fld id="{798DBB47-160A-45F9-AEC8-4D7BF30050C2}" type="datetimeFigureOut">
               <a:rPr lang="en-IN" smtClean="0"/>
-              <a:t>15-06-2021</a:t>
+              <a:t>16-06-2021</a:t>
             </a:fld>
             <a:endParaRPr lang="en-IN"/>
           </a:p>
@@ -21605,7 +21606,7 @@
           <a:p>
             <a:fld id="{798DBB47-160A-45F9-AEC8-4D7BF30050C2}" type="datetimeFigureOut">
               <a:rPr lang="en-IN" smtClean="0"/>
-              <a:t>15-06-2021</a:t>
+              <a:t>16-06-2021</a:t>
             </a:fld>
             <a:endParaRPr lang="en-IN"/>
           </a:p>
@@ -26194,7 +26195,7 @@
           <a:p>
             <a:fld id="{798DBB47-160A-45F9-AEC8-4D7BF30050C2}" type="datetimeFigureOut">
               <a:rPr lang="en-IN" smtClean="0"/>
-              <a:t>15-06-2021</a:t>
+              <a:t>16-06-2021</a:t>
             </a:fld>
             <a:endParaRPr lang="en-IN"/>
           </a:p>
@@ -28639,7 +28640,7 @@
           <a:p>
             <a:fld id="{798DBB47-160A-45F9-AEC8-4D7BF30050C2}" type="datetimeFigureOut">
               <a:rPr lang="en-IN" smtClean="0"/>
-              <a:t>15-06-2021</a:t>
+              <a:t>16-06-2021</a:t>
             </a:fld>
             <a:endParaRPr lang="en-IN"/>
           </a:p>
@@ -31016,7 +31017,7 @@
           <a:p>
             <a:fld id="{798DBB47-160A-45F9-AEC8-4D7BF30050C2}" type="datetimeFigureOut">
               <a:rPr lang="en-IN" smtClean="0"/>
-              <a:t>15-06-2021</a:t>
+              <a:t>16-06-2021</a:t>
             </a:fld>
             <a:endParaRPr lang="en-IN"/>
           </a:p>
@@ -31556,7 +31557,19 @@
               <a:rPr lang="en-IN" sz="2400" dirty="0">
                 <a:latin typeface="+mn-lt"/>
               </a:rPr>
-              <a:t>Project Report presentation on</a:t>
+              <a:t>Project </a:t>
+            </a:r>
+            <a:r>
+              <a:rPr lang="en-IN" sz="2400">
+                <a:latin typeface="+mn-lt"/>
+              </a:rPr>
+              <a:t>Report Presentation </a:t>
+            </a:r>
+            <a:r>
+              <a:rPr lang="en-IN" sz="2400" dirty="0">
+                <a:latin typeface="+mn-lt"/>
+              </a:rPr>
+              <a:t>on</a:t>
             </a:r>
             <a:br>
               <a:rPr lang="en-IN" sz="2400" dirty="0">
@@ -32768,6 +32781,101 @@
           <p:cNvPr id="2" name="TextBox 1">
             <a:extLst>
               <a:ext uri="{FF2B5EF4-FFF2-40B4-BE49-F238E27FC236}">
+                <a16:creationId xmlns:a16="http://schemas.microsoft.com/office/drawing/2014/main" id="{DFA18557-F6A4-436B-B308-65F9104AC52A}"/>
+              </a:ext>
+            </a:extLst>
+          </p:cNvPr>
+          <p:cNvSpPr txBox="1"/>
+          <p:nvPr/>
+        </p:nvSpPr>
+        <p:spPr>
+          <a:xfrm>
+            <a:off x="1305017" y="177553"/>
+            <a:ext cx="9303799" cy="523220"/>
+          </a:xfrm>
+          <a:prstGeom prst="rect">
+            <a:avLst/>
+          </a:prstGeom>
+          <a:noFill/>
+        </p:spPr>
+        <p:txBody>
+          <a:bodyPr wrap="square" rtlCol="0">
+            <a:spAutoFit/>
+          </a:bodyPr>
+          <a:lstStyle/>
+          <a:p>
+            <a:pPr algn="ctr"/>
+            <a:r>
+              <a:rPr lang="en-IN" sz="2800" b="1" dirty="0"/>
+              <a:t>Dataset Format Screenshot</a:t>
+            </a:r>
+          </a:p>
+        </p:txBody>
+      </p:sp>
+      <p:pic>
+        <p:nvPicPr>
+          <p:cNvPr id="4" name="Picture 3">
+            <a:extLst>
+              <a:ext uri="{FF2B5EF4-FFF2-40B4-BE49-F238E27FC236}">
+                <a16:creationId xmlns:a16="http://schemas.microsoft.com/office/drawing/2014/main" id="{AE9853E0-1ADA-4CFE-8C9C-AE419225FC8C}"/>
+              </a:ext>
+            </a:extLst>
+          </p:cNvPr>
+          <p:cNvPicPr>
+            <a:picLocks noChangeAspect="1"/>
+          </p:cNvPicPr>
+          <p:nvPr/>
+        </p:nvPicPr>
+        <p:blipFill rotWithShape="1">
+          <a:blip r:embed="rId2"/>
+          <a:srcRect l="14531" t="9806" r="43203" b="13738"/>
+          <a:stretch/>
+        </p:blipFill>
+        <p:spPr>
+          <a:xfrm>
+            <a:off x="2970828" y="700773"/>
+            <a:ext cx="5972175" cy="5795549"/>
+          </a:xfrm>
+          <a:prstGeom prst="rect">
+            <a:avLst/>
+          </a:prstGeom>
+        </p:spPr>
+      </p:pic>
+    </p:spTree>
+    <p:extLst>
+      <p:ext uri="{BB962C8B-B14F-4D97-AF65-F5344CB8AC3E}">
+        <p14:creationId xmlns:p14="http://schemas.microsoft.com/office/powerpoint/2010/main" val="2269737316"/>
+      </p:ext>
+    </p:extLst>
+  </p:cSld>
+  <p:clrMapOvr>
+    <a:masterClrMapping/>
+  </p:clrMapOvr>
+</p:sld>
+</file>
+
+<file path=ppt/slides/slide18.xml><?xml version="1.0" encoding="utf-8"?>
+<p:sld xmlns:a="http://schemas.openxmlformats.org/drawingml/2006/main" xmlns:r="http://schemas.openxmlformats.org/officeDocument/2006/relationships" xmlns:p="http://schemas.openxmlformats.org/presentationml/2006/main">
+  <p:cSld>
+    <p:spTree>
+      <p:nvGrpSpPr>
+        <p:cNvPr id="1" name=""/>
+        <p:cNvGrpSpPr/>
+        <p:nvPr/>
+      </p:nvGrpSpPr>
+      <p:grpSpPr>
+        <a:xfrm>
+          <a:off x="0" y="0"/>
+          <a:ext cx="0" cy="0"/>
+          <a:chOff x="0" y="0"/>
+          <a:chExt cx="0" cy="0"/>
+        </a:xfrm>
+      </p:grpSpPr>
+      <p:sp>
+        <p:nvSpPr>
+          <p:cNvPr id="2" name="TextBox 1">
+            <a:extLst>
+              <a:ext uri="{FF2B5EF4-FFF2-40B4-BE49-F238E27FC236}">
                 <a16:creationId xmlns:a16="http://schemas.microsoft.com/office/drawing/2014/main" id="{55FEB853-629F-4308-8451-109E9DF65E82}"/>
               </a:ext>
             </a:extLst>
@@ -32870,7 +32978,7 @@
 </p:sld>
 </file>
 
-<file path=ppt/slides/slide18.xml><?xml version="1.0" encoding="utf-8"?>
+<file path=ppt/slides/slide19.xml><?xml version="1.0" encoding="utf-8"?>
 <p:sld xmlns:a="http://schemas.openxmlformats.org/drawingml/2006/main" xmlns:r="http://schemas.openxmlformats.org/officeDocument/2006/relationships" xmlns:p="http://schemas.openxmlformats.org/presentationml/2006/main">
   <p:cSld>
     <p:spTree>
@@ -33057,72 +33165,6 @@
     <p:extLst>
       <p:ext uri="{BB962C8B-B14F-4D97-AF65-F5344CB8AC3E}">
         <p14:creationId xmlns:p14="http://schemas.microsoft.com/office/powerpoint/2010/main" val="2337045712"/>
-      </p:ext>
-    </p:extLst>
-  </p:cSld>
-  <p:clrMapOvr>
-    <a:masterClrMapping/>
-  </p:clrMapOvr>
-</p:sld>
-</file>
-
-<file path=ppt/slides/slide19.xml><?xml version="1.0" encoding="utf-8"?>
-<p:sld xmlns:a="http://schemas.openxmlformats.org/drawingml/2006/main" xmlns:r="http://schemas.openxmlformats.org/officeDocument/2006/relationships" xmlns:p="http://schemas.openxmlformats.org/presentationml/2006/main">
-  <p:cSld>
-    <p:spTree>
-      <p:nvGrpSpPr>
-        <p:cNvPr id="1" name=""/>
-        <p:cNvGrpSpPr/>
-        <p:nvPr/>
-      </p:nvGrpSpPr>
-      <p:grpSpPr>
-        <a:xfrm>
-          <a:off x="0" y="0"/>
-          <a:ext cx="0" cy="0"/>
-          <a:chOff x="0" y="0"/>
-          <a:chExt cx="0" cy="0"/>
-        </a:xfrm>
-      </p:grpSpPr>
-      <p:sp>
-        <p:nvSpPr>
-          <p:cNvPr id="2" name="TextBox 1">
-            <a:extLst>
-              <a:ext uri="{FF2B5EF4-FFF2-40B4-BE49-F238E27FC236}">
-                <a16:creationId xmlns:a16="http://schemas.microsoft.com/office/drawing/2014/main" id="{3AA5A2C7-7C20-41A5-A853-2580F8C2C89E}"/>
-              </a:ext>
-            </a:extLst>
-          </p:cNvPr>
-          <p:cNvSpPr txBox="1"/>
-          <p:nvPr/>
-        </p:nvSpPr>
-        <p:spPr>
-          <a:xfrm>
-            <a:off x="1732625" y="2644170"/>
-            <a:ext cx="8726749" cy="1569660"/>
-          </a:xfrm>
-          <a:prstGeom prst="rect">
-            <a:avLst/>
-          </a:prstGeom>
-          <a:noFill/>
-        </p:spPr>
-        <p:txBody>
-          <a:bodyPr wrap="square" rtlCol="0">
-            <a:spAutoFit/>
-          </a:bodyPr>
-          <a:lstStyle/>
-          <a:p>
-            <a:pPr algn="ctr"/>
-            <a:r>
-              <a:rPr lang="en-IN" sz="9600" dirty="0"/>
-              <a:t>Thank You</a:t>
-            </a:r>
-          </a:p>
-        </p:txBody>
-      </p:sp>
-    </p:spTree>
-    <p:extLst>
-      <p:ext uri="{BB962C8B-B14F-4D97-AF65-F5344CB8AC3E}">
-        <p14:creationId xmlns:p14="http://schemas.microsoft.com/office/powerpoint/2010/main" val="2644103248"/>
       </p:ext>
     </p:extLst>
   </p:cSld>
@@ -33348,6 +33390,72 @@
     <p:extLst>
       <p:ext uri="{BB962C8B-B14F-4D97-AF65-F5344CB8AC3E}">
         <p14:creationId xmlns:p14="http://schemas.microsoft.com/office/powerpoint/2010/main" val="547337617"/>
+      </p:ext>
+    </p:extLst>
+  </p:cSld>
+  <p:clrMapOvr>
+    <a:masterClrMapping/>
+  </p:clrMapOvr>
+</p:sld>
+</file>
+
+<file path=ppt/slides/slide20.xml><?xml version="1.0" encoding="utf-8"?>
+<p:sld xmlns:a="http://schemas.openxmlformats.org/drawingml/2006/main" xmlns:r="http://schemas.openxmlformats.org/officeDocument/2006/relationships" xmlns:p="http://schemas.openxmlformats.org/presentationml/2006/main">
+  <p:cSld>
+    <p:spTree>
+      <p:nvGrpSpPr>
+        <p:cNvPr id="1" name=""/>
+        <p:cNvGrpSpPr/>
+        <p:nvPr/>
+      </p:nvGrpSpPr>
+      <p:grpSpPr>
+        <a:xfrm>
+          <a:off x="0" y="0"/>
+          <a:ext cx="0" cy="0"/>
+          <a:chOff x="0" y="0"/>
+          <a:chExt cx="0" cy="0"/>
+        </a:xfrm>
+      </p:grpSpPr>
+      <p:sp>
+        <p:nvSpPr>
+          <p:cNvPr id="2" name="TextBox 1">
+            <a:extLst>
+              <a:ext uri="{FF2B5EF4-FFF2-40B4-BE49-F238E27FC236}">
+                <a16:creationId xmlns:a16="http://schemas.microsoft.com/office/drawing/2014/main" id="{3AA5A2C7-7C20-41A5-A853-2580F8C2C89E}"/>
+              </a:ext>
+            </a:extLst>
+          </p:cNvPr>
+          <p:cNvSpPr txBox="1"/>
+          <p:nvPr/>
+        </p:nvSpPr>
+        <p:spPr>
+          <a:xfrm>
+            <a:off x="1732625" y="2644170"/>
+            <a:ext cx="8726749" cy="1569660"/>
+          </a:xfrm>
+          <a:prstGeom prst="rect">
+            <a:avLst/>
+          </a:prstGeom>
+          <a:noFill/>
+        </p:spPr>
+        <p:txBody>
+          <a:bodyPr wrap="square" rtlCol="0">
+            <a:spAutoFit/>
+          </a:bodyPr>
+          <a:lstStyle/>
+          <a:p>
+            <a:pPr algn="ctr"/>
+            <a:r>
+              <a:rPr lang="en-IN" sz="9600" dirty="0"/>
+              <a:t>Thank You</a:t>
+            </a:r>
+          </a:p>
+        </p:txBody>
+      </p:sp>
+    </p:spTree>
+    <p:extLst>
+      <p:ext uri="{BB962C8B-B14F-4D97-AF65-F5344CB8AC3E}">
+        <p14:creationId xmlns:p14="http://schemas.microsoft.com/office/powerpoint/2010/main" val="2644103248"/>
       </p:ext>
     </p:extLst>
   </p:cSld>
